--- a/accreditation_management_system/ppt/test.pptx
+++ b/accreditation_management_system/ppt/test.pptx
@@ -6,8 +6,21 @@
   </p:sldMasterIdLst>
   <p:sldIdLst>
     <p:sldId id="256" r:id="rId7"/>
+    <p:sldId id="257" r:id="rId8"/>
+    <p:sldId id="258" r:id="rId9"/>
+    <p:sldId id="259" r:id="rId10"/>
+    <p:sldId id="260" r:id="rId11"/>
+    <p:sldId id="261" r:id="rId12"/>
+    <p:sldId id="262" r:id="rId13"/>
+    <p:sldId id="263" r:id="rId14"/>
+    <p:sldId id="264" r:id="rId15"/>
+    <p:sldId id="265" r:id="rId16"/>
+    <p:sldId id="266" r:id="rId17"/>
+    <p:sldId id="267" r:id="rId18"/>
+    <p:sldId id="268" r:id="rId19"/>
+    <p:sldId id="269" r:id="rId20"/>
   </p:sldIdLst>
-  <p:sldSz cx="9144000" cy="6858000" type="screen4x3"/>
+  <p:sldSz cx="7781544" cy="11896344" type="screen4x3"/>
   <p:notesSz cx="6858000" cy="9144000"/>
   <p:defaultTextStyle>
     <a:defPPr>
@@ -3081,6 +3094,14 @@
 <file path=ppt/slides/slide1.xml><?xml version="1.0" encoding="utf-8"?>
 <p:sld xmlns:a="http://schemas.openxmlformats.org/drawingml/2006/main" xmlns:p="http://schemas.openxmlformats.org/presentationml/2006/main" xmlns:r="http://schemas.openxmlformats.org/officeDocument/2006/relationships">
   <p:cSld>
+    <p:bg>
+      <p:bgPr>
+        <a:solidFill>
+          <a:srgbClr val="F3F1B5"/>
+        </a:solidFill>
+        <a:effectLst/>
+      </p:bgPr>
+    </p:bg>
     <p:spTree>
       <p:nvGrpSpPr>
         <p:cNvPr id="1" name=""/>
@@ -3095,53 +3116,1611 @@
             <a:spLocks noGrp="1"/>
           </p:cNvSpPr>
           <p:nvPr>
-            <p:ph type="title"/>
-          </p:nvPr>
-        </p:nvSpPr>
-        <p:spPr/>
-        <p:txBody>
-          <a:bodyPr/>
-          <a:lstStyle/>
-          <a:p>
-            <a:r>
-              <a:t>Adding a Bullet Slide</a:t>
-            </a:r>
-          </a:p>
-        </p:txBody>
-      </p:sp>
-      <p:sp>
-        <p:nvSpPr>
-          <p:cNvPr id="3" name="Content Placeholder 2"/>
-          <p:cNvSpPr>
-            <a:spLocks noGrp="1"/>
-          </p:cNvSpPr>
-          <p:nvPr>
-            <p:ph idx="1"/>
-          </p:nvPr>
-        </p:nvSpPr>
-        <p:spPr/>
-        <p:txBody>
-          <a:bodyPr/>
-          <a:lstStyle/>
-          <a:p>
-            <a:r>
-              <a:t>Find the bullet slide layout</a:t>
-            </a:r>
-          </a:p>
-          <a:p>
-            <a:pPr lvl="1"/>
-            <a:r>
-              <a:t>Use _TextFrame.text for first bullet</a:t>
-            </a:r>
-          </a:p>
-          <a:p>
-            <a:pPr lvl="2"/>
-            <a:r>
-              <a:t>Use _TextFrame.add_paragraph() for subsequent bullets</a:t>
-            </a:r>
-          </a:p>
-        </p:txBody>
-      </p:sp>
+            <p:ph type="ctrTitle"/>
+          </p:nvPr>
+        </p:nvSpPr>
+        <p:spPr>
+          <a:xfrm>
+            <a:off x="91440" y="1097280"/>
+            <a:ext cx="1828800" cy="0"/>
+          </a:xfrm>
+        </p:spPr>
+        <p:txBody>
+          <a:bodyPr/>
+          <a:lstStyle/>
+          <a:p>
+            <a:r>
+              <a:t>S.2</a:t>
+            </a:r>
+          </a:p>
+        </p:txBody>
+      </p:sp>
+      <p:sp>
+        <p:nvSpPr>
+          <p:cNvPr id="3" name="Subtitle 2"/>
+          <p:cNvSpPr>
+            <a:spLocks noGrp="1"/>
+          </p:cNvSpPr>
+          <p:nvPr>
+            <p:ph type="subTitle" idx="1"/>
+          </p:nvPr>
+        </p:nvSpPr>
+        <p:spPr/>
+        <p:txBody>
+          <a:bodyPr/>
+          <a:lstStyle/>
+          <a:p/>
+        </p:txBody>
+      </p:sp>
+      <p:pic>
+        <p:nvPicPr>
+          <p:cNvPr id="4" name="Picture 3" descr="image.png"/>
+          <p:cNvPicPr>
+            <a:picLocks noChangeAspect="1"/>
+          </p:cNvPicPr>
+          <p:nvPr/>
+        </p:nvPicPr>
+        <p:blipFill>
+          <a:blip r:embed="rId2"/>
+          <a:stretch>
+            <a:fillRect/>
+          </a:stretch>
+        </p:blipFill>
+        <p:spPr>
+          <a:xfrm>
+            <a:off x="274320" y="2286000"/>
+            <a:ext cx="14340405" cy="5029200"/>
+          </a:xfrm>
+          <a:prstGeom prst="rect">
+            <a:avLst/>
+          </a:prstGeom>
+        </p:spPr>
+      </p:pic>
+      <p:pic>
+        <p:nvPicPr>
+          <p:cNvPr id="5" name="Picture 4" descr="image.png"/>
+          <p:cNvPicPr>
+            <a:picLocks noChangeAspect="1"/>
+          </p:cNvPicPr>
+          <p:nvPr/>
+        </p:nvPicPr>
+        <p:blipFill>
+          <a:blip r:embed="rId3"/>
+          <a:stretch>
+            <a:fillRect/>
+          </a:stretch>
+        </p:blipFill>
+        <p:spPr>
+          <a:xfrm>
+            <a:off x="274320" y="10515600"/>
+            <a:ext cx="1368862" cy="1371600"/>
+          </a:xfrm>
+          <a:prstGeom prst="rect">
+            <a:avLst/>
+          </a:prstGeom>
+        </p:spPr>
+      </p:pic>
+    </p:spTree>
+  </p:cSld>
+  <p:clrMapOvr>
+    <a:masterClrMapping/>
+  </p:clrMapOvr>
+</p:sld>
+</file>
+
+<file path=ppt/slides/slide10.xml><?xml version="1.0" encoding="utf-8"?>
+<p:sld xmlns:a="http://schemas.openxmlformats.org/drawingml/2006/main" xmlns:p="http://schemas.openxmlformats.org/presentationml/2006/main" xmlns:r="http://schemas.openxmlformats.org/officeDocument/2006/relationships">
+  <p:cSld>
+    <p:bg>
+      <p:bgPr>
+        <a:solidFill>
+          <a:srgbClr val="F3F1B5"/>
+        </a:solidFill>
+        <a:effectLst/>
+      </p:bgPr>
+    </p:bg>
+    <p:spTree>
+      <p:nvGrpSpPr>
+        <p:cNvPr id="1" name=""/>
+        <p:cNvGrpSpPr/>
+        <p:nvPr/>
+      </p:nvGrpSpPr>
+      <p:grpSpPr/>
+      <p:sp>
+        <p:nvSpPr>
+          <p:cNvPr id="2" name="Title 1"/>
+          <p:cNvSpPr>
+            <a:spLocks noGrp="1"/>
+          </p:cNvSpPr>
+          <p:nvPr>
+            <p:ph type="ctrTitle"/>
+          </p:nvPr>
+        </p:nvSpPr>
+        <p:spPr>
+          <a:xfrm>
+            <a:off x="91440" y="1097280"/>
+            <a:ext cx="1828800" cy="0"/>
+          </a:xfrm>
+        </p:spPr>
+        <p:txBody>
+          <a:bodyPr/>
+          <a:lstStyle/>
+          <a:p>
+            <a:r>
+              <a:t>I.2</a:t>
+            </a:r>
+          </a:p>
+        </p:txBody>
+      </p:sp>
+      <p:sp>
+        <p:nvSpPr>
+          <p:cNvPr id="3" name="Subtitle 2"/>
+          <p:cNvSpPr>
+            <a:spLocks noGrp="1"/>
+          </p:cNvSpPr>
+          <p:nvPr>
+            <p:ph type="subTitle" idx="1"/>
+          </p:nvPr>
+        </p:nvSpPr>
+        <p:spPr/>
+        <p:txBody>
+          <a:bodyPr/>
+          <a:lstStyle/>
+          <a:p/>
+        </p:txBody>
+      </p:sp>
+      <p:pic>
+        <p:nvPicPr>
+          <p:cNvPr id="4" name="Picture 3" descr="image.png"/>
+          <p:cNvPicPr>
+            <a:picLocks noChangeAspect="1"/>
+          </p:cNvPicPr>
+          <p:nvPr/>
+        </p:nvPicPr>
+        <p:blipFill>
+          <a:blip r:embed="rId2"/>
+          <a:stretch>
+            <a:fillRect/>
+          </a:stretch>
+        </p:blipFill>
+        <p:spPr>
+          <a:xfrm>
+            <a:off x="274320" y="2286000"/>
+            <a:ext cx="14340405" cy="5029200"/>
+          </a:xfrm>
+          <a:prstGeom prst="rect">
+            <a:avLst/>
+          </a:prstGeom>
+        </p:spPr>
+      </p:pic>
+      <p:pic>
+        <p:nvPicPr>
+          <p:cNvPr id="5" name="Picture 4" descr="image.png"/>
+          <p:cNvPicPr>
+            <a:picLocks noChangeAspect="1"/>
+          </p:cNvPicPr>
+          <p:nvPr/>
+        </p:nvPicPr>
+        <p:blipFill>
+          <a:blip r:embed="rId3"/>
+          <a:stretch>
+            <a:fillRect/>
+          </a:stretch>
+        </p:blipFill>
+        <p:spPr>
+          <a:xfrm>
+            <a:off x="274320" y="10515600"/>
+            <a:ext cx="1368862" cy="1371600"/>
+          </a:xfrm>
+          <a:prstGeom prst="rect">
+            <a:avLst/>
+          </a:prstGeom>
+        </p:spPr>
+      </p:pic>
+    </p:spTree>
+  </p:cSld>
+  <p:clrMapOvr>
+    <a:masterClrMapping/>
+  </p:clrMapOvr>
+</p:sld>
+</file>
+
+<file path=ppt/slides/slide11.xml><?xml version="1.0" encoding="utf-8"?>
+<p:sld xmlns:a="http://schemas.openxmlformats.org/drawingml/2006/main" xmlns:p="http://schemas.openxmlformats.org/presentationml/2006/main" xmlns:r="http://schemas.openxmlformats.org/officeDocument/2006/relationships">
+  <p:cSld>
+    <p:bg>
+      <p:bgPr>
+        <a:solidFill>
+          <a:srgbClr val="F3F1B5"/>
+        </a:solidFill>
+        <a:effectLst/>
+      </p:bgPr>
+    </p:bg>
+    <p:spTree>
+      <p:nvGrpSpPr>
+        <p:cNvPr id="1" name=""/>
+        <p:cNvGrpSpPr/>
+        <p:nvPr/>
+      </p:nvGrpSpPr>
+      <p:grpSpPr/>
+      <p:sp>
+        <p:nvSpPr>
+          <p:cNvPr id="2" name="Title 1"/>
+          <p:cNvSpPr>
+            <a:spLocks noGrp="1"/>
+          </p:cNvSpPr>
+          <p:nvPr>
+            <p:ph type="ctrTitle"/>
+          </p:nvPr>
+        </p:nvSpPr>
+        <p:spPr>
+          <a:xfrm>
+            <a:off x="91440" y="1097280"/>
+            <a:ext cx="1828800" cy="0"/>
+          </a:xfrm>
+        </p:spPr>
+        <p:txBody>
+          <a:bodyPr/>
+          <a:lstStyle/>
+          <a:p>
+            <a:r>
+              <a:t>S.5.6</a:t>
+            </a:r>
+          </a:p>
+        </p:txBody>
+      </p:sp>
+      <p:sp>
+        <p:nvSpPr>
+          <p:cNvPr id="3" name="Subtitle 2"/>
+          <p:cNvSpPr>
+            <a:spLocks noGrp="1"/>
+          </p:cNvSpPr>
+          <p:nvPr>
+            <p:ph type="subTitle" idx="1"/>
+          </p:nvPr>
+        </p:nvSpPr>
+        <p:spPr/>
+        <p:txBody>
+          <a:bodyPr/>
+          <a:lstStyle/>
+          <a:p/>
+        </p:txBody>
+      </p:sp>
+      <p:pic>
+        <p:nvPicPr>
+          <p:cNvPr id="4" name="Picture 3" descr="image.png"/>
+          <p:cNvPicPr>
+            <a:picLocks noChangeAspect="1"/>
+          </p:cNvPicPr>
+          <p:nvPr/>
+        </p:nvPicPr>
+        <p:blipFill>
+          <a:blip r:embed="rId2"/>
+          <a:stretch>
+            <a:fillRect/>
+          </a:stretch>
+        </p:blipFill>
+        <p:spPr>
+          <a:xfrm>
+            <a:off x="274320" y="2286000"/>
+            <a:ext cx="14340405" cy="5029200"/>
+          </a:xfrm>
+          <a:prstGeom prst="rect">
+            <a:avLst/>
+          </a:prstGeom>
+        </p:spPr>
+      </p:pic>
+      <p:pic>
+        <p:nvPicPr>
+          <p:cNvPr id="5" name="Picture 4" descr="image.png"/>
+          <p:cNvPicPr>
+            <a:picLocks noChangeAspect="1"/>
+          </p:cNvPicPr>
+          <p:nvPr/>
+        </p:nvPicPr>
+        <p:blipFill>
+          <a:blip r:embed="rId3"/>
+          <a:stretch>
+            <a:fillRect/>
+          </a:stretch>
+        </p:blipFill>
+        <p:spPr>
+          <a:xfrm>
+            <a:off x="274320" y="10515600"/>
+            <a:ext cx="1368862" cy="1371600"/>
+          </a:xfrm>
+          <a:prstGeom prst="rect">
+            <a:avLst/>
+          </a:prstGeom>
+        </p:spPr>
+      </p:pic>
+    </p:spTree>
+  </p:cSld>
+  <p:clrMapOvr>
+    <a:masterClrMapping/>
+  </p:clrMapOvr>
+</p:sld>
+</file>
+
+<file path=ppt/slides/slide12.xml><?xml version="1.0" encoding="utf-8"?>
+<p:sld xmlns:a="http://schemas.openxmlformats.org/drawingml/2006/main" xmlns:p="http://schemas.openxmlformats.org/presentationml/2006/main" xmlns:r="http://schemas.openxmlformats.org/officeDocument/2006/relationships">
+  <p:cSld>
+    <p:bg>
+      <p:bgPr>
+        <a:solidFill>
+          <a:srgbClr val="F3F1B5"/>
+        </a:solidFill>
+        <a:effectLst/>
+      </p:bgPr>
+    </p:bg>
+    <p:spTree>
+      <p:nvGrpSpPr>
+        <p:cNvPr id="1" name=""/>
+        <p:cNvGrpSpPr/>
+        <p:nvPr/>
+      </p:nvGrpSpPr>
+      <p:grpSpPr/>
+      <p:sp>
+        <p:nvSpPr>
+          <p:cNvPr id="2" name="Title 1"/>
+          <p:cNvSpPr>
+            <a:spLocks noGrp="1"/>
+          </p:cNvSpPr>
+          <p:nvPr>
+            <p:ph type="ctrTitle"/>
+          </p:nvPr>
+        </p:nvSpPr>
+        <p:spPr>
+          <a:xfrm>
+            <a:off x="91440" y="1097280"/>
+            <a:ext cx="1828800" cy="0"/>
+          </a:xfrm>
+        </p:spPr>
+        <p:txBody>
+          <a:bodyPr/>
+          <a:lstStyle/>
+          <a:p>
+            <a:r>
+              <a:t>S.1</a:t>
+            </a:r>
+          </a:p>
+        </p:txBody>
+      </p:sp>
+      <p:sp>
+        <p:nvSpPr>
+          <p:cNvPr id="3" name="Subtitle 2"/>
+          <p:cNvSpPr>
+            <a:spLocks noGrp="1"/>
+          </p:cNvSpPr>
+          <p:nvPr>
+            <p:ph type="subTitle" idx="1"/>
+          </p:nvPr>
+        </p:nvSpPr>
+        <p:spPr/>
+        <p:txBody>
+          <a:bodyPr/>
+          <a:lstStyle/>
+          <a:p/>
+        </p:txBody>
+      </p:sp>
+      <p:pic>
+        <p:nvPicPr>
+          <p:cNvPr id="4" name="Picture 3" descr="image.jpg"/>
+          <p:cNvPicPr>
+            <a:picLocks noChangeAspect="1"/>
+          </p:cNvPicPr>
+          <p:nvPr/>
+        </p:nvPicPr>
+        <p:blipFill>
+          <a:blip r:embed="rId2"/>
+          <a:stretch>
+            <a:fillRect/>
+          </a:stretch>
+        </p:blipFill>
+        <p:spPr>
+          <a:xfrm>
+            <a:off x="274320" y="2286000"/>
+            <a:ext cx="7155833" cy="5029200"/>
+          </a:xfrm>
+          <a:prstGeom prst="rect">
+            <a:avLst/>
+          </a:prstGeom>
+        </p:spPr>
+      </p:pic>
+      <p:pic>
+        <p:nvPicPr>
+          <p:cNvPr id="5" name="Picture 4" descr="image.png"/>
+          <p:cNvPicPr>
+            <a:picLocks noChangeAspect="1"/>
+          </p:cNvPicPr>
+          <p:nvPr/>
+        </p:nvPicPr>
+        <p:blipFill>
+          <a:blip r:embed="rId3"/>
+          <a:stretch>
+            <a:fillRect/>
+          </a:stretch>
+        </p:blipFill>
+        <p:spPr>
+          <a:xfrm>
+            <a:off x="274320" y="10515600"/>
+            <a:ext cx="1368862" cy="1371600"/>
+          </a:xfrm>
+          <a:prstGeom prst="rect">
+            <a:avLst/>
+          </a:prstGeom>
+        </p:spPr>
+      </p:pic>
+    </p:spTree>
+  </p:cSld>
+  <p:clrMapOvr>
+    <a:masterClrMapping/>
+  </p:clrMapOvr>
+</p:sld>
+</file>
+
+<file path=ppt/slides/slide13.xml><?xml version="1.0" encoding="utf-8"?>
+<p:sld xmlns:a="http://schemas.openxmlformats.org/drawingml/2006/main" xmlns:p="http://schemas.openxmlformats.org/presentationml/2006/main" xmlns:r="http://schemas.openxmlformats.org/officeDocument/2006/relationships">
+  <p:cSld>
+    <p:bg>
+      <p:bgPr>
+        <a:solidFill>
+          <a:srgbClr val="F3F1B5"/>
+        </a:solidFill>
+        <a:effectLst/>
+      </p:bgPr>
+    </p:bg>
+    <p:spTree>
+      <p:nvGrpSpPr>
+        <p:cNvPr id="1" name=""/>
+        <p:cNvGrpSpPr/>
+        <p:nvPr/>
+      </p:nvGrpSpPr>
+      <p:grpSpPr/>
+      <p:sp>
+        <p:nvSpPr>
+          <p:cNvPr id="2" name="Title 1"/>
+          <p:cNvSpPr>
+            <a:spLocks noGrp="1"/>
+          </p:cNvSpPr>
+          <p:nvPr>
+            <p:ph type="ctrTitle"/>
+          </p:nvPr>
+        </p:nvSpPr>
+        <p:spPr>
+          <a:xfrm>
+            <a:off x="91440" y="1097280"/>
+            <a:ext cx="1828800" cy="0"/>
+          </a:xfrm>
+        </p:spPr>
+        <p:txBody>
+          <a:bodyPr/>
+          <a:lstStyle/>
+          <a:p>
+            <a:r>
+              <a:t>O.1</a:t>
+            </a:r>
+          </a:p>
+        </p:txBody>
+      </p:sp>
+      <p:sp>
+        <p:nvSpPr>
+          <p:cNvPr id="3" name="Subtitle 2"/>
+          <p:cNvSpPr>
+            <a:spLocks noGrp="1"/>
+          </p:cNvSpPr>
+          <p:nvPr>
+            <p:ph type="subTitle" idx="1"/>
+          </p:nvPr>
+        </p:nvSpPr>
+        <p:spPr/>
+        <p:txBody>
+          <a:bodyPr/>
+          <a:lstStyle/>
+          <a:p/>
+        </p:txBody>
+      </p:sp>
+      <p:pic>
+        <p:nvPicPr>
+          <p:cNvPr id="4" name="Picture 3" descr="image.png"/>
+          <p:cNvPicPr>
+            <a:picLocks noChangeAspect="1"/>
+          </p:cNvPicPr>
+          <p:nvPr/>
+        </p:nvPicPr>
+        <p:blipFill>
+          <a:blip r:embed="rId2"/>
+          <a:stretch>
+            <a:fillRect/>
+          </a:stretch>
+        </p:blipFill>
+        <p:spPr>
+          <a:xfrm>
+            <a:off x="274320" y="2286000"/>
+            <a:ext cx="14340405" cy="5029200"/>
+          </a:xfrm>
+          <a:prstGeom prst="rect">
+            <a:avLst/>
+          </a:prstGeom>
+        </p:spPr>
+      </p:pic>
+      <p:pic>
+        <p:nvPicPr>
+          <p:cNvPr id="5" name="Picture 4" descr="image.png"/>
+          <p:cNvPicPr>
+            <a:picLocks noChangeAspect="1"/>
+          </p:cNvPicPr>
+          <p:nvPr/>
+        </p:nvPicPr>
+        <p:blipFill>
+          <a:blip r:embed="rId3"/>
+          <a:stretch>
+            <a:fillRect/>
+          </a:stretch>
+        </p:blipFill>
+        <p:spPr>
+          <a:xfrm>
+            <a:off x="274320" y="10515600"/>
+            <a:ext cx="1368862" cy="1371600"/>
+          </a:xfrm>
+          <a:prstGeom prst="rect">
+            <a:avLst/>
+          </a:prstGeom>
+        </p:spPr>
+      </p:pic>
+    </p:spTree>
+  </p:cSld>
+  <p:clrMapOvr>
+    <a:masterClrMapping/>
+  </p:clrMapOvr>
+</p:sld>
+</file>
+
+<file path=ppt/slides/slide14.xml><?xml version="1.0" encoding="utf-8"?>
+<p:sld xmlns:a="http://schemas.openxmlformats.org/drawingml/2006/main" xmlns:p="http://schemas.openxmlformats.org/presentationml/2006/main" xmlns:r="http://schemas.openxmlformats.org/officeDocument/2006/relationships">
+  <p:cSld>
+    <p:bg>
+      <p:bgPr>
+        <a:solidFill>
+          <a:srgbClr val="F3F1B5"/>
+        </a:solidFill>
+        <a:effectLst/>
+      </p:bgPr>
+    </p:bg>
+    <p:spTree>
+      <p:nvGrpSpPr>
+        <p:cNvPr id="1" name=""/>
+        <p:cNvGrpSpPr/>
+        <p:nvPr/>
+      </p:nvGrpSpPr>
+      <p:grpSpPr/>
+      <p:sp>
+        <p:nvSpPr>
+          <p:cNvPr id="2" name="Title 1"/>
+          <p:cNvSpPr>
+            <a:spLocks noGrp="1"/>
+          </p:cNvSpPr>
+          <p:nvPr>
+            <p:ph type="ctrTitle"/>
+          </p:nvPr>
+        </p:nvSpPr>
+        <p:spPr>
+          <a:xfrm>
+            <a:off x="91440" y="1097280"/>
+            <a:ext cx="1828800" cy="0"/>
+          </a:xfrm>
+        </p:spPr>
+        <p:txBody>
+          <a:bodyPr/>
+          <a:lstStyle/>
+          <a:p>
+            <a:r>
+              <a:t>S.5.5</a:t>
+            </a:r>
+          </a:p>
+        </p:txBody>
+      </p:sp>
+      <p:sp>
+        <p:nvSpPr>
+          <p:cNvPr id="3" name="Subtitle 2"/>
+          <p:cNvSpPr>
+            <a:spLocks noGrp="1"/>
+          </p:cNvSpPr>
+          <p:nvPr>
+            <p:ph type="subTitle" idx="1"/>
+          </p:nvPr>
+        </p:nvSpPr>
+        <p:spPr/>
+        <p:txBody>
+          <a:bodyPr/>
+          <a:lstStyle/>
+          <a:p/>
+        </p:txBody>
+      </p:sp>
+      <p:pic>
+        <p:nvPicPr>
+          <p:cNvPr id="4" name="Picture 3" descr="image.png"/>
+          <p:cNvPicPr>
+            <a:picLocks noChangeAspect="1"/>
+          </p:cNvPicPr>
+          <p:nvPr/>
+        </p:nvPicPr>
+        <p:blipFill>
+          <a:blip r:embed="rId2"/>
+          <a:stretch>
+            <a:fillRect/>
+          </a:stretch>
+        </p:blipFill>
+        <p:spPr>
+          <a:xfrm>
+            <a:off x="274320" y="2286000"/>
+            <a:ext cx="14340405" cy="5029200"/>
+          </a:xfrm>
+          <a:prstGeom prst="rect">
+            <a:avLst/>
+          </a:prstGeom>
+        </p:spPr>
+      </p:pic>
+      <p:pic>
+        <p:nvPicPr>
+          <p:cNvPr id="5" name="Picture 4" descr="image.png"/>
+          <p:cNvPicPr>
+            <a:picLocks noChangeAspect="1"/>
+          </p:cNvPicPr>
+          <p:nvPr/>
+        </p:nvPicPr>
+        <p:blipFill>
+          <a:blip r:embed="rId3"/>
+          <a:stretch>
+            <a:fillRect/>
+          </a:stretch>
+        </p:blipFill>
+        <p:spPr>
+          <a:xfrm>
+            <a:off x="274320" y="10515600"/>
+            <a:ext cx="1368862" cy="1371600"/>
+          </a:xfrm>
+          <a:prstGeom prst="rect">
+            <a:avLst/>
+          </a:prstGeom>
+        </p:spPr>
+      </p:pic>
+    </p:spTree>
+  </p:cSld>
+  <p:clrMapOvr>
+    <a:masterClrMapping/>
+  </p:clrMapOvr>
+</p:sld>
+</file>
+
+<file path=ppt/slides/slide2.xml><?xml version="1.0" encoding="utf-8"?>
+<p:sld xmlns:a="http://schemas.openxmlformats.org/drawingml/2006/main" xmlns:p="http://schemas.openxmlformats.org/presentationml/2006/main" xmlns:r="http://schemas.openxmlformats.org/officeDocument/2006/relationships">
+  <p:cSld>
+    <p:bg>
+      <p:bgPr>
+        <a:solidFill>
+          <a:srgbClr val="F3F1B5"/>
+        </a:solidFill>
+        <a:effectLst/>
+      </p:bgPr>
+    </p:bg>
+    <p:spTree>
+      <p:nvGrpSpPr>
+        <p:cNvPr id="1" name=""/>
+        <p:cNvGrpSpPr/>
+        <p:nvPr/>
+      </p:nvGrpSpPr>
+      <p:grpSpPr/>
+      <p:sp>
+        <p:nvSpPr>
+          <p:cNvPr id="2" name="Title 1"/>
+          <p:cNvSpPr>
+            <a:spLocks noGrp="1"/>
+          </p:cNvSpPr>
+          <p:nvPr>
+            <p:ph type="ctrTitle"/>
+          </p:nvPr>
+        </p:nvSpPr>
+        <p:spPr>
+          <a:xfrm>
+            <a:off x="91440" y="1097280"/>
+            <a:ext cx="1828800" cy="0"/>
+          </a:xfrm>
+        </p:spPr>
+        <p:txBody>
+          <a:bodyPr/>
+          <a:lstStyle/>
+          <a:p>
+            <a:r>
+              <a:t>S.5.4</a:t>
+            </a:r>
+          </a:p>
+        </p:txBody>
+      </p:sp>
+      <p:sp>
+        <p:nvSpPr>
+          <p:cNvPr id="3" name="Subtitle 2"/>
+          <p:cNvSpPr>
+            <a:spLocks noGrp="1"/>
+          </p:cNvSpPr>
+          <p:nvPr>
+            <p:ph type="subTitle" idx="1"/>
+          </p:nvPr>
+        </p:nvSpPr>
+        <p:spPr/>
+        <p:txBody>
+          <a:bodyPr/>
+          <a:lstStyle/>
+          <a:p/>
+        </p:txBody>
+      </p:sp>
+      <p:pic>
+        <p:nvPicPr>
+          <p:cNvPr id="4" name="Picture 3" descr="image.png"/>
+          <p:cNvPicPr>
+            <a:picLocks noChangeAspect="1"/>
+          </p:cNvPicPr>
+          <p:nvPr/>
+        </p:nvPicPr>
+        <p:blipFill>
+          <a:blip r:embed="rId2"/>
+          <a:stretch>
+            <a:fillRect/>
+          </a:stretch>
+        </p:blipFill>
+        <p:spPr>
+          <a:xfrm>
+            <a:off x="274320" y="2286000"/>
+            <a:ext cx="14340405" cy="5029200"/>
+          </a:xfrm>
+          <a:prstGeom prst="rect">
+            <a:avLst/>
+          </a:prstGeom>
+        </p:spPr>
+      </p:pic>
+      <p:pic>
+        <p:nvPicPr>
+          <p:cNvPr id="5" name="Picture 4" descr="image.png"/>
+          <p:cNvPicPr>
+            <a:picLocks noChangeAspect="1"/>
+          </p:cNvPicPr>
+          <p:nvPr/>
+        </p:nvPicPr>
+        <p:blipFill>
+          <a:blip r:embed="rId3"/>
+          <a:stretch>
+            <a:fillRect/>
+          </a:stretch>
+        </p:blipFill>
+        <p:spPr>
+          <a:xfrm>
+            <a:off x="274320" y="10515600"/>
+            <a:ext cx="1368862" cy="1371600"/>
+          </a:xfrm>
+          <a:prstGeom prst="rect">
+            <a:avLst/>
+          </a:prstGeom>
+        </p:spPr>
+      </p:pic>
+    </p:spTree>
+  </p:cSld>
+  <p:clrMapOvr>
+    <a:masterClrMapping/>
+  </p:clrMapOvr>
+</p:sld>
+</file>
+
+<file path=ppt/slides/slide3.xml><?xml version="1.0" encoding="utf-8"?>
+<p:sld xmlns:a="http://schemas.openxmlformats.org/drawingml/2006/main" xmlns:p="http://schemas.openxmlformats.org/presentationml/2006/main" xmlns:r="http://schemas.openxmlformats.org/officeDocument/2006/relationships">
+  <p:cSld>
+    <p:bg>
+      <p:bgPr>
+        <a:solidFill>
+          <a:srgbClr val="F3F1B5"/>
+        </a:solidFill>
+        <a:effectLst/>
+      </p:bgPr>
+    </p:bg>
+    <p:spTree>
+      <p:nvGrpSpPr>
+        <p:cNvPr id="1" name=""/>
+        <p:cNvGrpSpPr/>
+        <p:nvPr/>
+      </p:nvGrpSpPr>
+      <p:grpSpPr/>
+      <p:sp>
+        <p:nvSpPr>
+          <p:cNvPr id="2" name="Title 1"/>
+          <p:cNvSpPr>
+            <a:spLocks noGrp="1"/>
+          </p:cNvSpPr>
+          <p:nvPr>
+            <p:ph type="ctrTitle"/>
+          </p:nvPr>
+        </p:nvSpPr>
+        <p:spPr>
+          <a:xfrm>
+            <a:off x="91440" y="1097280"/>
+            <a:ext cx="1828800" cy="0"/>
+          </a:xfrm>
+        </p:spPr>
+        <p:txBody>
+          <a:bodyPr/>
+          <a:lstStyle/>
+          <a:p>
+            <a:r>
+              <a:t>S.3</a:t>
+            </a:r>
+          </a:p>
+        </p:txBody>
+      </p:sp>
+      <p:sp>
+        <p:nvSpPr>
+          <p:cNvPr id="3" name="Subtitle 2"/>
+          <p:cNvSpPr>
+            <a:spLocks noGrp="1"/>
+          </p:cNvSpPr>
+          <p:nvPr>
+            <p:ph type="subTitle" idx="1"/>
+          </p:nvPr>
+        </p:nvSpPr>
+        <p:spPr/>
+        <p:txBody>
+          <a:bodyPr/>
+          <a:lstStyle/>
+          <a:p/>
+        </p:txBody>
+      </p:sp>
+      <p:pic>
+        <p:nvPicPr>
+          <p:cNvPr id="4" name="Picture 3" descr="image.jpg"/>
+          <p:cNvPicPr>
+            <a:picLocks noChangeAspect="1"/>
+          </p:cNvPicPr>
+          <p:nvPr/>
+        </p:nvPicPr>
+        <p:blipFill>
+          <a:blip r:embed="rId2"/>
+          <a:stretch>
+            <a:fillRect/>
+          </a:stretch>
+        </p:blipFill>
+        <p:spPr>
+          <a:xfrm>
+            <a:off x="274320" y="2286000"/>
+            <a:ext cx="7155833" cy="5029200"/>
+          </a:xfrm>
+          <a:prstGeom prst="rect">
+            <a:avLst/>
+          </a:prstGeom>
+        </p:spPr>
+      </p:pic>
+      <p:pic>
+        <p:nvPicPr>
+          <p:cNvPr id="5" name="Picture 4" descr="image.png"/>
+          <p:cNvPicPr>
+            <a:picLocks noChangeAspect="1"/>
+          </p:cNvPicPr>
+          <p:nvPr/>
+        </p:nvPicPr>
+        <p:blipFill>
+          <a:blip r:embed="rId3"/>
+          <a:stretch>
+            <a:fillRect/>
+          </a:stretch>
+        </p:blipFill>
+        <p:spPr>
+          <a:xfrm>
+            <a:off x="274320" y="10515600"/>
+            <a:ext cx="1368862" cy="1371600"/>
+          </a:xfrm>
+          <a:prstGeom prst="rect">
+            <a:avLst/>
+          </a:prstGeom>
+        </p:spPr>
+      </p:pic>
+    </p:spTree>
+  </p:cSld>
+  <p:clrMapOvr>
+    <a:masterClrMapping/>
+  </p:clrMapOvr>
+</p:sld>
+</file>
+
+<file path=ppt/slides/slide4.xml><?xml version="1.0" encoding="utf-8"?>
+<p:sld xmlns:a="http://schemas.openxmlformats.org/drawingml/2006/main" xmlns:p="http://schemas.openxmlformats.org/presentationml/2006/main" xmlns:r="http://schemas.openxmlformats.org/officeDocument/2006/relationships">
+  <p:cSld>
+    <p:bg>
+      <p:bgPr>
+        <a:solidFill>
+          <a:srgbClr val="F3F1B5"/>
+        </a:solidFill>
+        <a:effectLst/>
+      </p:bgPr>
+    </p:bg>
+    <p:spTree>
+      <p:nvGrpSpPr>
+        <p:cNvPr id="1" name=""/>
+        <p:cNvGrpSpPr/>
+        <p:nvPr/>
+      </p:nvGrpSpPr>
+      <p:grpSpPr/>
+      <p:sp>
+        <p:nvSpPr>
+          <p:cNvPr id="2" name="Title 1"/>
+          <p:cNvSpPr>
+            <a:spLocks noGrp="1"/>
+          </p:cNvSpPr>
+          <p:nvPr>
+            <p:ph type="ctrTitle"/>
+          </p:nvPr>
+        </p:nvSpPr>
+        <p:spPr>
+          <a:xfrm>
+            <a:off x="91440" y="1097280"/>
+            <a:ext cx="1828800" cy="0"/>
+          </a:xfrm>
+        </p:spPr>
+        <p:txBody>
+          <a:bodyPr/>
+          <a:lstStyle/>
+          <a:p>
+            <a:r>
+              <a:t>S.5.1</a:t>
+            </a:r>
+          </a:p>
+        </p:txBody>
+      </p:sp>
+      <p:sp>
+        <p:nvSpPr>
+          <p:cNvPr id="3" name="Subtitle 2"/>
+          <p:cNvSpPr>
+            <a:spLocks noGrp="1"/>
+          </p:cNvSpPr>
+          <p:nvPr>
+            <p:ph type="subTitle" idx="1"/>
+          </p:nvPr>
+        </p:nvSpPr>
+        <p:spPr/>
+        <p:txBody>
+          <a:bodyPr/>
+          <a:lstStyle/>
+          <a:p/>
+        </p:txBody>
+      </p:sp>
+      <p:pic>
+        <p:nvPicPr>
+          <p:cNvPr id="4" name="Picture 3" descr="image.png"/>
+          <p:cNvPicPr>
+            <a:picLocks noChangeAspect="1"/>
+          </p:cNvPicPr>
+          <p:nvPr/>
+        </p:nvPicPr>
+        <p:blipFill>
+          <a:blip r:embed="rId2"/>
+          <a:stretch>
+            <a:fillRect/>
+          </a:stretch>
+        </p:blipFill>
+        <p:spPr>
+          <a:xfrm>
+            <a:off x="274320" y="2286000"/>
+            <a:ext cx="14340405" cy="5029200"/>
+          </a:xfrm>
+          <a:prstGeom prst="rect">
+            <a:avLst/>
+          </a:prstGeom>
+        </p:spPr>
+      </p:pic>
+      <p:pic>
+        <p:nvPicPr>
+          <p:cNvPr id="5" name="Picture 4" descr="image.png"/>
+          <p:cNvPicPr>
+            <a:picLocks noChangeAspect="1"/>
+          </p:cNvPicPr>
+          <p:nvPr/>
+        </p:nvPicPr>
+        <p:blipFill>
+          <a:blip r:embed="rId3"/>
+          <a:stretch>
+            <a:fillRect/>
+          </a:stretch>
+        </p:blipFill>
+        <p:spPr>
+          <a:xfrm>
+            <a:off x="274320" y="10515600"/>
+            <a:ext cx="1368862" cy="1371600"/>
+          </a:xfrm>
+          <a:prstGeom prst="rect">
+            <a:avLst/>
+          </a:prstGeom>
+        </p:spPr>
+      </p:pic>
+    </p:spTree>
+  </p:cSld>
+  <p:clrMapOvr>
+    <a:masterClrMapping/>
+  </p:clrMapOvr>
+</p:sld>
+</file>
+
+<file path=ppt/slides/slide5.xml><?xml version="1.0" encoding="utf-8"?>
+<p:sld xmlns:a="http://schemas.openxmlformats.org/drawingml/2006/main" xmlns:p="http://schemas.openxmlformats.org/presentationml/2006/main" xmlns:r="http://schemas.openxmlformats.org/officeDocument/2006/relationships">
+  <p:cSld>
+    <p:bg>
+      <p:bgPr>
+        <a:solidFill>
+          <a:srgbClr val="F3F1B5"/>
+        </a:solidFill>
+        <a:effectLst/>
+      </p:bgPr>
+    </p:bg>
+    <p:spTree>
+      <p:nvGrpSpPr>
+        <p:cNvPr id="1" name=""/>
+        <p:cNvGrpSpPr/>
+        <p:nvPr/>
+      </p:nvGrpSpPr>
+      <p:grpSpPr/>
+      <p:sp>
+        <p:nvSpPr>
+          <p:cNvPr id="2" name="Title 1"/>
+          <p:cNvSpPr>
+            <a:spLocks noGrp="1"/>
+          </p:cNvSpPr>
+          <p:nvPr>
+            <p:ph type="ctrTitle"/>
+          </p:nvPr>
+        </p:nvSpPr>
+        <p:spPr>
+          <a:xfrm>
+            <a:off x="91440" y="1097280"/>
+            <a:ext cx="1828800" cy="0"/>
+          </a:xfrm>
+        </p:spPr>
+        <p:txBody>
+          <a:bodyPr/>
+          <a:lstStyle/>
+          <a:p>
+            <a:r>
+              <a:t>I.3</a:t>
+            </a:r>
+          </a:p>
+        </p:txBody>
+      </p:sp>
+      <p:sp>
+        <p:nvSpPr>
+          <p:cNvPr id="3" name="Subtitle 2"/>
+          <p:cNvSpPr>
+            <a:spLocks noGrp="1"/>
+          </p:cNvSpPr>
+          <p:nvPr>
+            <p:ph type="subTitle" idx="1"/>
+          </p:nvPr>
+        </p:nvSpPr>
+        <p:spPr/>
+        <p:txBody>
+          <a:bodyPr/>
+          <a:lstStyle/>
+          <a:p/>
+        </p:txBody>
+      </p:sp>
+      <p:pic>
+        <p:nvPicPr>
+          <p:cNvPr id="4" name="Picture 3" descr="image.png"/>
+          <p:cNvPicPr>
+            <a:picLocks noChangeAspect="1"/>
+          </p:cNvPicPr>
+          <p:nvPr/>
+        </p:nvPicPr>
+        <p:blipFill>
+          <a:blip r:embed="rId2"/>
+          <a:stretch>
+            <a:fillRect/>
+          </a:stretch>
+        </p:blipFill>
+        <p:spPr>
+          <a:xfrm>
+            <a:off x="274320" y="2286000"/>
+            <a:ext cx="14340405" cy="5029200"/>
+          </a:xfrm>
+          <a:prstGeom prst="rect">
+            <a:avLst/>
+          </a:prstGeom>
+        </p:spPr>
+      </p:pic>
+      <p:pic>
+        <p:nvPicPr>
+          <p:cNvPr id="5" name="Picture 4" descr="image.png"/>
+          <p:cNvPicPr>
+            <a:picLocks noChangeAspect="1"/>
+          </p:cNvPicPr>
+          <p:nvPr/>
+        </p:nvPicPr>
+        <p:blipFill>
+          <a:blip r:embed="rId3"/>
+          <a:stretch>
+            <a:fillRect/>
+          </a:stretch>
+        </p:blipFill>
+        <p:spPr>
+          <a:xfrm>
+            <a:off x="274320" y="10515600"/>
+            <a:ext cx="1368862" cy="1371600"/>
+          </a:xfrm>
+          <a:prstGeom prst="rect">
+            <a:avLst/>
+          </a:prstGeom>
+        </p:spPr>
+      </p:pic>
+    </p:spTree>
+  </p:cSld>
+  <p:clrMapOvr>
+    <a:masterClrMapping/>
+  </p:clrMapOvr>
+</p:sld>
+</file>
+
+<file path=ppt/slides/slide6.xml><?xml version="1.0" encoding="utf-8"?>
+<p:sld xmlns:a="http://schemas.openxmlformats.org/drawingml/2006/main" xmlns:p="http://schemas.openxmlformats.org/presentationml/2006/main" xmlns:r="http://schemas.openxmlformats.org/officeDocument/2006/relationships">
+  <p:cSld>
+    <p:bg>
+      <p:bgPr>
+        <a:solidFill>
+          <a:srgbClr val="F3F1B5"/>
+        </a:solidFill>
+        <a:effectLst/>
+      </p:bgPr>
+    </p:bg>
+    <p:spTree>
+      <p:nvGrpSpPr>
+        <p:cNvPr id="1" name=""/>
+        <p:cNvGrpSpPr/>
+        <p:nvPr/>
+      </p:nvGrpSpPr>
+      <p:grpSpPr/>
+      <p:sp>
+        <p:nvSpPr>
+          <p:cNvPr id="2" name="Title 1"/>
+          <p:cNvSpPr>
+            <a:spLocks noGrp="1"/>
+          </p:cNvSpPr>
+          <p:nvPr>
+            <p:ph type="ctrTitle"/>
+          </p:nvPr>
+        </p:nvSpPr>
+        <p:spPr>
+          <a:xfrm>
+            <a:off x="91440" y="1097280"/>
+            <a:ext cx="1828800" cy="0"/>
+          </a:xfrm>
+        </p:spPr>
+        <p:txBody>
+          <a:bodyPr/>
+          <a:lstStyle/>
+          <a:p>
+            <a:r>
+              <a:t>S.4</a:t>
+            </a:r>
+          </a:p>
+        </p:txBody>
+      </p:sp>
+      <p:sp>
+        <p:nvSpPr>
+          <p:cNvPr id="3" name="Subtitle 2"/>
+          <p:cNvSpPr>
+            <a:spLocks noGrp="1"/>
+          </p:cNvSpPr>
+          <p:nvPr>
+            <p:ph type="subTitle" idx="1"/>
+          </p:nvPr>
+        </p:nvSpPr>
+        <p:spPr/>
+        <p:txBody>
+          <a:bodyPr/>
+          <a:lstStyle/>
+          <a:p/>
+        </p:txBody>
+      </p:sp>
+      <p:pic>
+        <p:nvPicPr>
+          <p:cNvPr id="4" name="Picture 3" descr="image.png"/>
+          <p:cNvPicPr>
+            <a:picLocks noChangeAspect="1"/>
+          </p:cNvPicPr>
+          <p:nvPr/>
+        </p:nvPicPr>
+        <p:blipFill>
+          <a:blip r:embed="rId2"/>
+          <a:stretch>
+            <a:fillRect/>
+          </a:stretch>
+        </p:blipFill>
+        <p:spPr>
+          <a:xfrm>
+            <a:off x="274320" y="2286000"/>
+            <a:ext cx="14340405" cy="5029200"/>
+          </a:xfrm>
+          <a:prstGeom prst="rect">
+            <a:avLst/>
+          </a:prstGeom>
+        </p:spPr>
+      </p:pic>
+      <p:pic>
+        <p:nvPicPr>
+          <p:cNvPr id="5" name="Picture 4" descr="image.png"/>
+          <p:cNvPicPr>
+            <a:picLocks noChangeAspect="1"/>
+          </p:cNvPicPr>
+          <p:nvPr/>
+        </p:nvPicPr>
+        <p:blipFill>
+          <a:blip r:embed="rId3"/>
+          <a:stretch>
+            <a:fillRect/>
+          </a:stretch>
+        </p:blipFill>
+        <p:spPr>
+          <a:xfrm>
+            <a:off x="274320" y="10515600"/>
+            <a:ext cx="1368862" cy="1371600"/>
+          </a:xfrm>
+          <a:prstGeom prst="rect">
+            <a:avLst/>
+          </a:prstGeom>
+        </p:spPr>
+      </p:pic>
+    </p:spTree>
+  </p:cSld>
+  <p:clrMapOvr>
+    <a:masterClrMapping/>
+  </p:clrMapOvr>
+</p:sld>
+</file>
+
+<file path=ppt/slides/slide7.xml><?xml version="1.0" encoding="utf-8"?>
+<p:sld xmlns:a="http://schemas.openxmlformats.org/drawingml/2006/main" xmlns:p="http://schemas.openxmlformats.org/presentationml/2006/main" xmlns:r="http://schemas.openxmlformats.org/officeDocument/2006/relationships">
+  <p:cSld>
+    <p:bg>
+      <p:bgPr>
+        <a:solidFill>
+          <a:srgbClr val="F3F1B5"/>
+        </a:solidFill>
+        <a:effectLst/>
+      </p:bgPr>
+    </p:bg>
+    <p:spTree>
+      <p:nvGrpSpPr>
+        <p:cNvPr id="1" name=""/>
+        <p:cNvGrpSpPr/>
+        <p:nvPr/>
+      </p:nvGrpSpPr>
+      <p:grpSpPr/>
+      <p:sp>
+        <p:nvSpPr>
+          <p:cNvPr id="2" name="Title 1"/>
+          <p:cNvSpPr>
+            <a:spLocks noGrp="1"/>
+          </p:cNvSpPr>
+          <p:nvPr>
+            <p:ph type="ctrTitle"/>
+          </p:nvPr>
+        </p:nvSpPr>
+        <p:spPr>
+          <a:xfrm>
+            <a:off x="91440" y="1097280"/>
+            <a:ext cx="1828800" cy="0"/>
+          </a:xfrm>
+        </p:spPr>
+        <p:txBody>
+          <a:bodyPr/>
+          <a:lstStyle/>
+          <a:p>
+            <a:r>
+              <a:t>S.5.2</a:t>
+            </a:r>
+          </a:p>
+        </p:txBody>
+      </p:sp>
+      <p:sp>
+        <p:nvSpPr>
+          <p:cNvPr id="3" name="Subtitle 2"/>
+          <p:cNvSpPr>
+            <a:spLocks noGrp="1"/>
+          </p:cNvSpPr>
+          <p:nvPr>
+            <p:ph type="subTitle" idx="1"/>
+          </p:nvPr>
+        </p:nvSpPr>
+        <p:spPr/>
+        <p:txBody>
+          <a:bodyPr/>
+          <a:lstStyle/>
+          <a:p/>
+        </p:txBody>
+      </p:sp>
+      <p:pic>
+        <p:nvPicPr>
+          <p:cNvPr id="4" name="Picture 3" descr="image.png"/>
+          <p:cNvPicPr>
+            <a:picLocks noChangeAspect="1"/>
+          </p:cNvPicPr>
+          <p:nvPr/>
+        </p:nvPicPr>
+        <p:blipFill>
+          <a:blip r:embed="rId2"/>
+          <a:stretch>
+            <a:fillRect/>
+          </a:stretch>
+        </p:blipFill>
+        <p:spPr>
+          <a:xfrm>
+            <a:off x="274320" y="2286000"/>
+            <a:ext cx="14340405" cy="5029200"/>
+          </a:xfrm>
+          <a:prstGeom prst="rect">
+            <a:avLst/>
+          </a:prstGeom>
+        </p:spPr>
+      </p:pic>
+      <p:pic>
+        <p:nvPicPr>
+          <p:cNvPr id="5" name="Picture 4" descr="image.png"/>
+          <p:cNvPicPr>
+            <a:picLocks noChangeAspect="1"/>
+          </p:cNvPicPr>
+          <p:nvPr/>
+        </p:nvPicPr>
+        <p:blipFill>
+          <a:blip r:embed="rId3"/>
+          <a:stretch>
+            <a:fillRect/>
+          </a:stretch>
+        </p:blipFill>
+        <p:spPr>
+          <a:xfrm>
+            <a:off x="274320" y="10515600"/>
+            <a:ext cx="1368862" cy="1371600"/>
+          </a:xfrm>
+          <a:prstGeom prst="rect">
+            <a:avLst/>
+          </a:prstGeom>
+        </p:spPr>
+      </p:pic>
+    </p:spTree>
+  </p:cSld>
+  <p:clrMapOvr>
+    <a:masterClrMapping/>
+  </p:clrMapOvr>
+</p:sld>
+</file>
+
+<file path=ppt/slides/slide8.xml><?xml version="1.0" encoding="utf-8"?>
+<p:sld xmlns:a="http://schemas.openxmlformats.org/drawingml/2006/main" xmlns:p="http://schemas.openxmlformats.org/presentationml/2006/main" xmlns:r="http://schemas.openxmlformats.org/officeDocument/2006/relationships">
+  <p:cSld>
+    <p:bg>
+      <p:bgPr>
+        <a:solidFill>
+          <a:srgbClr val="F3F1B5"/>
+        </a:solidFill>
+        <a:effectLst/>
+      </p:bgPr>
+    </p:bg>
+    <p:spTree>
+      <p:nvGrpSpPr>
+        <p:cNvPr id="1" name=""/>
+        <p:cNvGrpSpPr/>
+        <p:nvPr/>
+      </p:nvGrpSpPr>
+      <p:grpSpPr/>
+      <p:sp>
+        <p:nvSpPr>
+          <p:cNvPr id="2" name="Title 1"/>
+          <p:cNvSpPr>
+            <a:spLocks noGrp="1"/>
+          </p:cNvSpPr>
+          <p:nvPr>
+            <p:ph type="ctrTitle"/>
+          </p:nvPr>
+        </p:nvSpPr>
+        <p:spPr>
+          <a:xfrm>
+            <a:off x="91440" y="1097280"/>
+            <a:ext cx="1828800" cy="0"/>
+          </a:xfrm>
+        </p:spPr>
+        <p:txBody>
+          <a:bodyPr/>
+          <a:lstStyle/>
+          <a:p>
+            <a:r>
+              <a:t>S.5.3</a:t>
+            </a:r>
+          </a:p>
+        </p:txBody>
+      </p:sp>
+      <p:sp>
+        <p:nvSpPr>
+          <p:cNvPr id="3" name="Subtitle 2"/>
+          <p:cNvSpPr>
+            <a:spLocks noGrp="1"/>
+          </p:cNvSpPr>
+          <p:nvPr>
+            <p:ph type="subTitle" idx="1"/>
+          </p:nvPr>
+        </p:nvSpPr>
+        <p:spPr/>
+        <p:txBody>
+          <a:bodyPr/>
+          <a:lstStyle/>
+          <a:p/>
+        </p:txBody>
+      </p:sp>
+      <p:pic>
+        <p:nvPicPr>
+          <p:cNvPr id="4" name="Picture 3" descr="image.png"/>
+          <p:cNvPicPr>
+            <a:picLocks noChangeAspect="1"/>
+          </p:cNvPicPr>
+          <p:nvPr/>
+        </p:nvPicPr>
+        <p:blipFill>
+          <a:blip r:embed="rId2"/>
+          <a:stretch>
+            <a:fillRect/>
+          </a:stretch>
+        </p:blipFill>
+        <p:spPr>
+          <a:xfrm>
+            <a:off x="274320" y="2286000"/>
+            <a:ext cx="14340405" cy="5029200"/>
+          </a:xfrm>
+          <a:prstGeom prst="rect">
+            <a:avLst/>
+          </a:prstGeom>
+        </p:spPr>
+      </p:pic>
+      <p:pic>
+        <p:nvPicPr>
+          <p:cNvPr id="5" name="Picture 4" descr="image.png"/>
+          <p:cNvPicPr>
+            <a:picLocks noChangeAspect="1"/>
+          </p:cNvPicPr>
+          <p:nvPr/>
+        </p:nvPicPr>
+        <p:blipFill>
+          <a:blip r:embed="rId3"/>
+          <a:stretch>
+            <a:fillRect/>
+          </a:stretch>
+        </p:blipFill>
+        <p:spPr>
+          <a:xfrm>
+            <a:off x="274320" y="10515600"/>
+            <a:ext cx="1368862" cy="1371600"/>
+          </a:xfrm>
+          <a:prstGeom prst="rect">
+            <a:avLst/>
+          </a:prstGeom>
+        </p:spPr>
+      </p:pic>
+    </p:spTree>
+  </p:cSld>
+  <p:clrMapOvr>
+    <a:masterClrMapping/>
+  </p:clrMapOvr>
+</p:sld>
+</file>
+
+<file path=ppt/slides/slide9.xml><?xml version="1.0" encoding="utf-8"?>
+<p:sld xmlns:a="http://schemas.openxmlformats.org/drawingml/2006/main" xmlns:p="http://schemas.openxmlformats.org/presentationml/2006/main" xmlns:r="http://schemas.openxmlformats.org/officeDocument/2006/relationships">
+  <p:cSld>
+    <p:bg>
+      <p:bgPr>
+        <a:solidFill>
+          <a:srgbClr val="F3F1B5"/>
+        </a:solidFill>
+        <a:effectLst/>
+      </p:bgPr>
+    </p:bg>
+    <p:spTree>
+      <p:nvGrpSpPr>
+        <p:cNvPr id="1" name=""/>
+        <p:cNvGrpSpPr/>
+        <p:nvPr/>
+      </p:nvGrpSpPr>
+      <p:grpSpPr/>
+      <p:sp>
+        <p:nvSpPr>
+          <p:cNvPr id="2" name="Title 1"/>
+          <p:cNvSpPr>
+            <a:spLocks noGrp="1"/>
+          </p:cNvSpPr>
+          <p:nvPr>
+            <p:ph type="ctrTitle"/>
+          </p:nvPr>
+        </p:nvSpPr>
+        <p:spPr>
+          <a:xfrm>
+            <a:off x="91440" y="1097280"/>
+            <a:ext cx="1828800" cy="0"/>
+          </a:xfrm>
+        </p:spPr>
+        <p:txBody>
+          <a:bodyPr/>
+          <a:lstStyle/>
+          <a:p>
+            <a:r>
+              <a:t>I.1</a:t>
+            </a:r>
+          </a:p>
+        </p:txBody>
+      </p:sp>
+      <p:sp>
+        <p:nvSpPr>
+          <p:cNvPr id="3" name="Subtitle 2"/>
+          <p:cNvSpPr>
+            <a:spLocks noGrp="1"/>
+          </p:cNvSpPr>
+          <p:nvPr>
+            <p:ph type="subTitle" idx="1"/>
+          </p:nvPr>
+        </p:nvSpPr>
+        <p:spPr/>
+        <p:txBody>
+          <a:bodyPr/>
+          <a:lstStyle/>
+          <a:p/>
+        </p:txBody>
+      </p:sp>
+      <p:pic>
+        <p:nvPicPr>
+          <p:cNvPr id="4" name="Picture 3" descr="image.png"/>
+          <p:cNvPicPr>
+            <a:picLocks noChangeAspect="1"/>
+          </p:cNvPicPr>
+          <p:nvPr/>
+        </p:nvPicPr>
+        <p:blipFill>
+          <a:blip r:embed="rId2"/>
+          <a:stretch>
+            <a:fillRect/>
+          </a:stretch>
+        </p:blipFill>
+        <p:spPr>
+          <a:xfrm>
+            <a:off x="274320" y="2286000"/>
+            <a:ext cx="14340405" cy="5029200"/>
+          </a:xfrm>
+          <a:prstGeom prst="rect">
+            <a:avLst/>
+          </a:prstGeom>
+        </p:spPr>
+      </p:pic>
+      <p:pic>
+        <p:nvPicPr>
+          <p:cNvPr id="5" name="Picture 4" descr="image.png"/>
+          <p:cNvPicPr>
+            <a:picLocks noChangeAspect="1"/>
+          </p:cNvPicPr>
+          <p:nvPr/>
+        </p:nvPicPr>
+        <p:blipFill>
+          <a:blip r:embed="rId3"/>
+          <a:stretch>
+            <a:fillRect/>
+          </a:stretch>
+        </p:blipFill>
+        <p:spPr>
+          <a:xfrm>
+            <a:off x="274320" y="10515600"/>
+            <a:ext cx="1368862" cy="1371600"/>
+          </a:xfrm>
+          <a:prstGeom prst="rect">
+            <a:avLst/>
+          </a:prstGeom>
+        </p:spPr>
+      </p:pic>
     </p:spTree>
   </p:cSld>
   <p:clrMapOvr>
